--- a/Personalisationcarte-ScanUp.pptx
+++ b/Personalisationcarte-ScanUp.pptx
@@ -104,6 +104,11 @@
       </a:defRPr>
     </a:lvl9pPr>
   </p:defaultTextStyle>
+  <p:extLst>
+    <p:ext uri="{EFAFB233-063F-42B5-8137-9DF3F51BA10A}">
+      <p15:sldGuideLst xmlns:p15="http://schemas.microsoft.com/office/powerpoint/2012/main"/>
+    </p:ext>
+  </p:extLst>
 </p:presentation>
 </file>
 
@@ -262,7 +267,7 @@
           <a:p>
             <a:fld id="{D45E7B5F-0B1F-4D17-8DF1-C1E7CA12353F}" type="datetimeFigureOut">
               <a:rPr lang="fr-FR" smtClean="0"/>
-              <a:t>20/07/2025</a:t>
+              <a:t>20/09/2025</a:t>
             </a:fld>
             <a:endParaRPr lang="fr-FR"/>
           </a:p>
@@ -460,7 +465,7 @@
           <a:p>
             <a:fld id="{D45E7B5F-0B1F-4D17-8DF1-C1E7CA12353F}" type="datetimeFigureOut">
               <a:rPr lang="fr-FR" smtClean="0"/>
-              <a:t>20/07/2025</a:t>
+              <a:t>20/09/2025</a:t>
             </a:fld>
             <a:endParaRPr lang="fr-FR"/>
           </a:p>
@@ -668,7 +673,7 @@
           <a:p>
             <a:fld id="{D45E7B5F-0B1F-4D17-8DF1-C1E7CA12353F}" type="datetimeFigureOut">
               <a:rPr lang="fr-FR" smtClean="0"/>
-              <a:t>20/07/2025</a:t>
+              <a:t>20/09/2025</a:t>
             </a:fld>
             <a:endParaRPr lang="fr-FR"/>
           </a:p>
@@ -866,7 +871,7 @@
           <a:p>
             <a:fld id="{D45E7B5F-0B1F-4D17-8DF1-C1E7CA12353F}" type="datetimeFigureOut">
               <a:rPr lang="fr-FR" smtClean="0"/>
-              <a:t>20/07/2025</a:t>
+              <a:t>20/09/2025</a:t>
             </a:fld>
             <a:endParaRPr lang="fr-FR"/>
           </a:p>
@@ -1141,7 +1146,7 @@
           <a:p>
             <a:fld id="{D45E7B5F-0B1F-4D17-8DF1-C1E7CA12353F}" type="datetimeFigureOut">
               <a:rPr lang="fr-FR" smtClean="0"/>
-              <a:t>20/07/2025</a:t>
+              <a:t>20/09/2025</a:t>
             </a:fld>
             <a:endParaRPr lang="fr-FR"/>
           </a:p>
@@ -1406,7 +1411,7 @@
           <a:p>
             <a:fld id="{D45E7B5F-0B1F-4D17-8DF1-C1E7CA12353F}" type="datetimeFigureOut">
               <a:rPr lang="fr-FR" smtClean="0"/>
-              <a:t>20/07/2025</a:t>
+              <a:t>20/09/2025</a:t>
             </a:fld>
             <a:endParaRPr lang="fr-FR"/>
           </a:p>
@@ -1818,7 +1823,7 @@
           <a:p>
             <a:fld id="{D45E7B5F-0B1F-4D17-8DF1-C1E7CA12353F}" type="datetimeFigureOut">
               <a:rPr lang="fr-FR" smtClean="0"/>
-              <a:t>20/07/2025</a:t>
+              <a:t>20/09/2025</a:t>
             </a:fld>
             <a:endParaRPr lang="fr-FR"/>
           </a:p>
@@ -1959,7 +1964,7 @@
           <a:p>
             <a:fld id="{D45E7B5F-0B1F-4D17-8DF1-C1E7CA12353F}" type="datetimeFigureOut">
               <a:rPr lang="fr-FR" smtClean="0"/>
-              <a:t>20/07/2025</a:t>
+              <a:t>20/09/2025</a:t>
             </a:fld>
             <a:endParaRPr lang="fr-FR"/>
           </a:p>
@@ -2072,7 +2077,7 @@
           <a:p>
             <a:fld id="{D45E7B5F-0B1F-4D17-8DF1-C1E7CA12353F}" type="datetimeFigureOut">
               <a:rPr lang="fr-FR" smtClean="0"/>
-              <a:t>20/07/2025</a:t>
+              <a:t>20/09/2025</a:t>
             </a:fld>
             <a:endParaRPr lang="fr-FR"/>
           </a:p>
@@ -2383,7 +2388,7 @@
           <a:p>
             <a:fld id="{D45E7B5F-0B1F-4D17-8DF1-C1E7CA12353F}" type="datetimeFigureOut">
               <a:rPr lang="fr-FR" smtClean="0"/>
-              <a:t>20/07/2025</a:t>
+              <a:t>20/09/2025</a:t>
             </a:fld>
             <a:endParaRPr lang="fr-FR"/>
           </a:p>
@@ -2671,7 +2676,7 @@
           <a:p>
             <a:fld id="{D45E7B5F-0B1F-4D17-8DF1-C1E7CA12353F}" type="datetimeFigureOut">
               <a:rPr lang="fr-FR" smtClean="0"/>
-              <a:t>20/07/2025</a:t>
+              <a:t>20/09/2025</a:t>
             </a:fld>
             <a:endParaRPr lang="fr-FR"/>
           </a:p>
@@ -2912,7 +2917,7 @@
           <a:p>
             <a:fld id="{D45E7B5F-0B1F-4D17-8DF1-C1E7CA12353F}" type="datetimeFigureOut">
               <a:rPr lang="fr-FR" smtClean="0"/>
-              <a:t>20/07/2025</a:t>
+              <a:t>20/09/2025</a:t>
             </a:fld>
             <a:endParaRPr lang="fr-FR"/>
           </a:p>
@@ -3497,7 +3502,7 @@
           <p:spPr>
             <a:xfrm>
               <a:off x="8803975" y="1837731"/>
-              <a:ext cx="849913" cy="369332"/>
+              <a:ext cx="974947" cy="369332"/>
             </a:xfrm>
             <a:prstGeom prst="rect">
               <a:avLst/>
@@ -3512,7 +3517,7 @@
             <a:p>
               <a:r>
                 <a:rPr lang="fr-FR" dirty="0"/>
-                <a:t>ARIERE</a:t>
+                <a:t>ARRIÈRE</a:t>
               </a:r>
             </a:p>
           </p:txBody>

--- a/Personalisationcarte-ScanUp.pptx
+++ b/Personalisationcarte-ScanUp.pptx
@@ -267,7 +267,7 @@
           <a:p>
             <a:fld id="{D45E7B5F-0B1F-4D17-8DF1-C1E7CA12353F}" type="datetimeFigureOut">
               <a:rPr lang="fr-FR" smtClean="0"/>
-              <a:t>20/09/2025</a:t>
+              <a:t>08/11/2025</a:t>
             </a:fld>
             <a:endParaRPr lang="fr-FR"/>
           </a:p>
@@ -465,7 +465,7 @@
           <a:p>
             <a:fld id="{D45E7B5F-0B1F-4D17-8DF1-C1E7CA12353F}" type="datetimeFigureOut">
               <a:rPr lang="fr-FR" smtClean="0"/>
-              <a:t>20/09/2025</a:t>
+              <a:t>08/11/2025</a:t>
             </a:fld>
             <a:endParaRPr lang="fr-FR"/>
           </a:p>
@@ -673,7 +673,7 @@
           <a:p>
             <a:fld id="{D45E7B5F-0B1F-4D17-8DF1-C1E7CA12353F}" type="datetimeFigureOut">
               <a:rPr lang="fr-FR" smtClean="0"/>
-              <a:t>20/09/2025</a:t>
+              <a:t>08/11/2025</a:t>
             </a:fld>
             <a:endParaRPr lang="fr-FR"/>
           </a:p>
@@ -871,7 +871,7 @@
           <a:p>
             <a:fld id="{D45E7B5F-0B1F-4D17-8DF1-C1E7CA12353F}" type="datetimeFigureOut">
               <a:rPr lang="fr-FR" smtClean="0"/>
-              <a:t>20/09/2025</a:t>
+              <a:t>08/11/2025</a:t>
             </a:fld>
             <a:endParaRPr lang="fr-FR"/>
           </a:p>
@@ -1146,7 +1146,7 @@
           <a:p>
             <a:fld id="{D45E7B5F-0B1F-4D17-8DF1-C1E7CA12353F}" type="datetimeFigureOut">
               <a:rPr lang="fr-FR" smtClean="0"/>
-              <a:t>20/09/2025</a:t>
+              <a:t>08/11/2025</a:t>
             </a:fld>
             <a:endParaRPr lang="fr-FR"/>
           </a:p>
@@ -1411,7 +1411,7 @@
           <a:p>
             <a:fld id="{D45E7B5F-0B1F-4D17-8DF1-C1E7CA12353F}" type="datetimeFigureOut">
               <a:rPr lang="fr-FR" smtClean="0"/>
-              <a:t>20/09/2025</a:t>
+              <a:t>08/11/2025</a:t>
             </a:fld>
             <a:endParaRPr lang="fr-FR"/>
           </a:p>
@@ -1823,7 +1823,7 @@
           <a:p>
             <a:fld id="{D45E7B5F-0B1F-4D17-8DF1-C1E7CA12353F}" type="datetimeFigureOut">
               <a:rPr lang="fr-FR" smtClean="0"/>
-              <a:t>20/09/2025</a:t>
+              <a:t>08/11/2025</a:t>
             </a:fld>
             <a:endParaRPr lang="fr-FR"/>
           </a:p>
@@ -1964,7 +1964,7 @@
           <a:p>
             <a:fld id="{D45E7B5F-0B1F-4D17-8DF1-C1E7CA12353F}" type="datetimeFigureOut">
               <a:rPr lang="fr-FR" smtClean="0"/>
-              <a:t>20/09/2025</a:t>
+              <a:t>08/11/2025</a:t>
             </a:fld>
             <a:endParaRPr lang="fr-FR"/>
           </a:p>
@@ -2077,7 +2077,7 @@
           <a:p>
             <a:fld id="{D45E7B5F-0B1F-4D17-8DF1-C1E7CA12353F}" type="datetimeFigureOut">
               <a:rPr lang="fr-FR" smtClean="0"/>
-              <a:t>20/09/2025</a:t>
+              <a:t>08/11/2025</a:t>
             </a:fld>
             <a:endParaRPr lang="fr-FR"/>
           </a:p>
@@ -2388,7 +2388,7 @@
           <a:p>
             <a:fld id="{D45E7B5F-0B1F-4D17-8DF1-C1E7CA12353F}" type="datetimeFigureOut">
               <a:rPr lang="fr-FR" smtClean="0"/>
-              <a:t>20/09/2025</a:t>
+              <a:t>08/11/2025</a:t>
             </a:fld>
             <a:endParaRPr lang="fr-FR"/>
           </a:p>
@@ -2676,7 +2676,7 @@
           <a:p>
             <a:fld id="{D45E7B5F-0B1F-4D17-8DF1-C1E7CA12353F}" type="datetimeFigureOut">
               <a:rPr lang="fr-FR" smtClean="0"/>
-              <a:t>20/09/2025</a:t>
+              <a:t>08/11/2025</a:t>
             </a:fld>
             <a:endParaRPr lang="fr-FR"/>
           </a:p>
@@ -2917,7 +2917,7 @@
           <a:p>
             <a:fld id="{D45E7B5F-0B1F-4D17-8DF1-C1E7CA12353F}" type="datetimeFigureOut">
               <a:rPr lang="fr-FR" smtClean="0"/>
-              <a:t>20/09/2025</a:t>
+              <a:t>08/11/2025</a:t>
             </a:fld>
             <a:endParaRPr lang="fr-FR"/>
           </a:p>
@@ -3336,10 +3336,10 @@
       </p:grpSpPr>
       <p:grpSp>
         <p:nvGrpSpPr>
-          <p:cNvPr id="25" name="Groupe 24">
-            <a:extLst>
-              <a:ext uri="{FF2B5EF4-FFF2-40B4-BE49-F238E27FC236}">
-                <a16:creationId xmlns:a16="http://schemas.microsoft.com/office/drawing/2014/main" id="{FA2576BD-8777-73F2-D9F3-27E2D2251C0A}"/>
+          <p:cNvPr id="12" name="Groupe 11">
+            <a:extLst>
+              <a:ext uri="{FF2B5EF4-FFF2-40B4-BE49-F238E27FC236}">
+                <a16:creationId xmlns:a16="http://schemas.microsoft.com/office/drawing/2014/main" id="{84048285-BC56-7E3D-DAC3-700E98CB5D94}"/>
               </a:ext>
             </a:extLst>
           </p:cNvPr>
@@ -3348,18 +3348,18 @@
         </p:nvGrpSpPr>
         <p:grpSpPr>
           <a:xfrm>
-            <a:off x="521675" y="1837731"/>
-            <a:ext cx="11146819" cy="3294094"/>
-            <a:chOff x="521675" y="1837731"/>
-            <a:chExt cx="11146819" cy="3294094"/>
+            <a:off x="3612372" y="1852904"/>
+            <a:ext cx="4879124" cy="3294094"/>
+            <a:chOff x="674075" y="1990131"/>
+            <a:chExt cx="4879124" cy="3294094"/>
           </a:xfrm>
         </p:grpSpPr>
         <p:sp>
           <p:nvSpPr>
-            <p:cNvPr id="4" name="Rectangle : coins arrondis 3">
+            <p:cNvPr id="3" name="Rectangle : coins arrondis 2">
               <a:extLst>
                 <a:ext uri="{FF2B5EF4-FFF2-40B4-BE49-F238E27FC236}">
-                  <a16:creationId xmlns:a16="http://schemas.microsoft.com/office/drawing/2014/main" id="{BBEE2E77-12A8-76CA-D257-B0A6D916E152}"/>
+                  <a16:creationId xmlns:a16="http://schemas.microsoft.com/office/drawing/2014/main" id="{B1E2E708-73D4-D3F5-5C6C-4CA4600ABB0E}"/>
                 </a:ext>
               </a:extLst>
             </p:cNvPr>
@@ -3368,7 +3368,7 @@
           </p:nvSpPr>
           <p:spPr>
             <a:xfrm>
-              <a:off x="521675" y="2192594"/>
+              <a:off x="674075" y="2344994"/>
               <a:ext cx="4879124" cy="2939231"/>
             </a:xfrm>
             <a:prstGeom prst="roundRect">
@@ -3405,59 +3405,10 @@
         </p:sp>
         <p:sp>
           <p:nvSpPr>
-            <p:cNvPr id="19" name="Rectangle : coins arrondis 18">
+            <p:cNvPr id="7" name="ZoneTexte 6">
               <a:extLst>
                 <a:ext uri="{FF2B5EF4-FFF2-40B4-BE49-F238E27FC236}">
-                  <a16:creationId xmlns:a16="http://schemas.microsoft.com/office/drawing/2014/main" id="{0A509D07-EEBC-F18E-C12B-9C1DB376CBC3}"/>
-                </a:ext>
-              </a:extLst>
-            </p:cNvPr>
-            <p:cNvSpPr/>
-            <p:nvPr/>
-          </p:nvSpPr>
-          <p:spPr>
-            <a:xfrm>
-              <a:off x="6789370" y="2192594"/>
-              <a:ext cx="4879124" cy="2939231"/>
-            </a:xfrm>
-            <a:prstGeom prst="roundRect">
-              <a:avLst/>
-            </a:prstGeom>
-            <a:ln>
-              <a:solidFill>
-                <a:schemeClr val="tx1"/>
-              </a:solidFill>
-            </a:ln>
-          </p:spPr>
-          <p:style>
-            <a:lnRef idx="2">
-              <a:schemeClr val="accent6"/>
-            </a:lnRef>
-            <a:fillRef idx="1">
-              <a:schemeClr val="lt1"/>
-            </a:fillRef>
-            <a:effectRef idx="0">
-              <a:schemeClr val="accent6"/>
-            </a:effectRef>
-            <a:fontRef idx="minor">
-              <a:schemeClr val="dk1"/>
-            </a:fontRef>
-          </p:style>
-          <p:txBody>
-            <a:bodyPr rtlCol="0" anchor="ctr"/>
-            <a:lstStyle/>
-            <a:p>
-              <a:pPr algn="ctr"/>
-              <a:endParaRPr lang="fr-FR"/>
-            </a:p>
-          </p:txBody>
-        </p:sp>
-        <p:sp>
-          <p:nvSpPr>
-            <p:cNvPr id="20" name="ZoneTexte 19">
-              <a:extLst>
-                <a:ext uri="{FF2B5EF4-FFF2-40B4-BE49-F238E27FC236}">
-                  <a16:creationId xmlns:a16="http://schemas.microsoft.com/office/drawing/2014/main" id="{15D98080-5C24-F808-85B0-3AB58EEB88C8}"/>
+                  <a16:creationId xmlns:a16="http://schemas.microsoft.com/office/drawing/2014/main" id="{A6B65B24-3C8A-5C26-F09B-EFE3A4813DE5}"/>
                 </a:ext>
               </a:extLst>
             </p:cNvPr>
@@ -3466,7 +3417,7 @@
           </p:nvSpPr>
           <p:spPr>
             <a:xfrm>
-              <a:off x="2549906" y="1837731"/>
+              <a:off x="2702306" y="1990131"/>
               <a:ext cx="822661" cy="369332"/>
             </a:xfrm>
             <a:prstGeom prst="rect">
@@ -3487,47 +3438,12 @@
             </a:p>
           </p:txBody>
         </p:sp>
-        <p:sp>
-          <p:nvSpPr>
-            <p:cNvPr id="21" name="ZoneTexte 20">
+        <p:pic>
+          <p:nvPicPr>
+            <p:cNvPr id="11" name="Image 10">
               <a:extLst>
                 <a:ext uri="{FF2B5EF4-FFF2-40B4-BE49-F238E27FC236}">
-                  <a16:creationId xmlns:a16="http://schemas.microsoft.com/office/drawing/2014/main" id="{7CC0E343-5EF0-D0EC-250A-D8C3F64A423D}"/>
-                </a:ext>
-              </a:extLst>
-            </p:cNvPr>
-            <p:cNvSpPr txBox="1"/>
-            <p:nvPr/>
-          </p:nvSpPr>
-          <p:spPr>
-            <a:xfrm>
-              <a:off x="8803975" y="1837731"/>
-              <a:ext cx="974947" cy="369332"/>
-            </a:xfrm>
-            <a:prstGeom prst="rect">
-              <a:avLst/>
-            </a:prstGeom>
-            <a:noFill/>
-          </p:spPr>
-          <p:txBody>
-            <a:bodyPr wrap="none" rtlCol="0">
-              <a:spAutoFit/>
-            </a:bodyPr>
-            <a:lstStyle/>
-            <a:p>
-              <a:r>
-                <a:rPr lang="fr-FR" dirty="0"/>
-                <a:t>ARRIÈRE</a:t>
-              </a:r>
-            </a:p>
-          </p:txBody>
-        </p:sp>
-        <p:pic>
-          <p:nvPicPr>
-            <p:cNvPr id="24" name="Image 23">
-              <a:extLst>
-                <a:ext uri="{FF2B5EF4-FFF2-40B4-BE49-F238E27FC236}">
-                  <a16:creationId xmlns:a16="http://schemas.microsoft.com/office/drawing/2014/main" id="{33845868-233C-8735-F09B-6CC348FB2054}"/>
+                  <a16:creationId xmlns:a16="http://schemas.microsoft.com/office/drawing/2014/main" id="{10C252A8-9F38-C020-C74E-1D212E7C1EA8}"/>
                 </a:ext>
               </a:extLst>
             </p:cNvPr>
@@ -3551,7 +3467,7 @@
           </p:blipFill>
           <p:spPr>
             <a:xfrm>
-              <a:off x="1248905" y="4167699"/>
+              <a:off x="1401305" y="4320099"/>
               <a:ext cx="3424662" cy="964126"/>
             </a:xfrm>
             <a:prstGeom prst="rect">
